--- a/eArchive/doc/Demo 2 slides.pptx
+++ b/eArchive/doc/Demo 2 slides.pptx
@@ -3246,7 +3246,7 @@
           <a:p>
             <a:fld id="{88D38747-4367-4BD2-8D51-C97E202738E2}" type="datetime1">
               <a:rPr lang="en-US" smtClean="0"/>
-              <a:t>4/26/2020</a:t>
+              <a:t>4/27/2020</a:t>
             </a:fld>
             <a:endParaRPr lang="en-US" dirty="0"/>
           </a:p>
@@ -3551,7 +3551,7 @@
           <a:p>
             <a:fld id="{11F1B079-7EF0-44EE-B798-BCC497C9F3B2}" type="datetime1">
               <a:rPr lang="en-US" smtClean="0"/>
-              <a:t>4/26/2020</a:t>
+              <a:t>4/27/2020</a:t>
             </a:fld>
             <a:endParaRPr lang="en-US" dirty="0"/>
           </a:p>
@@ -3745,7 +3745,7 @@
           <a:p>
             <a:fld id="{28FF70A8-1D13-4657-95F0-A9EA54967B8D}" type="datetime1">
               <a:rPr lang="en-US" smtClean="0"/>
-              <a:t>4/26/2020</a:t>
+              <a:t>4/27/2020</a:t>
             </a:fld>
             <a:endParaRPr lang="en-US" dirty="0"/>
           </a:p>
@@ -4008,7 +4008,7 @@
           <a:p>
             <a:fld id="{21EB90AC-71BD-4C7F-8ACA-7B3F18292E63}" type="datetime1">
               <a:rPr lang="en-US" smtClean="0"/>
-              <a:t>4/26/2020</a:t>
+              <a:t>4/27/2020</a:t>
             </a:fld>
             <a:endParaRPr lang="en-US" dirty="0"/>
           </a:p>
@@ -4444,7 +4444,7 @@
           <a:p>
             <a:fld id="{4E6EFC2C-8905-46F0-B443-CE905B76BA01}" type="datetime1">
               <a:rPr lang="en-US" smtClean="0"/>
-              <a:t>4/26/2020</a:t>
+              <a:t>4/27/2020</a:t>
             </a:fld>
             <a:endParaRPr lang="en-US" dirty="0"/>
           </a:p>
@@ -4981,7 +4981,7 @@
           <a:p>
             <a:fld id="{D9079DC3-C9B5-499E-9140-0DC28B7074E2}" type="datetime1">
               <a:rPr lang="en-US" smtClean="0"/>
-              <a:t>4/26/2020</a:t>
+              <a:t>4/27/2020</a:t>
             </a:fld>
             <a:endParaRPr lang="en-US" dirty="0"/>
           </a:p>
@@ -5863,7 +5863,7 @@
           <a:p>
             <a:fld id="{30BB33EA-E472-4D22-9C03-A9C14AA21CED}" type="datetime1">
               <a:rPr lang="en-US" smtClean="0"/>
-              <a:t>4/26/2020</a:t>
+              <a:t>4/27/2020</a:t>
             </a:fld>
             <a:endParaRPr lang="en-US" dirty="0"/>
           </a:p>
@@ -6033,7 +6033,7 @@
           <a:p>
             <a:fld id="{217E833E-1B6D-415F-AD29-75AE8C43BD0D}" type="datetime1">
               <a:rPr lang="en-US" smtClean="0"/>
-              <a:t>4/26/2020</a:t>
+              <a:t>4/27/2020</a:t>
             </a:fld>
             <a:endParaRPr lang="en-US" dirty="0"/>
           </a:p>
@@ -6217,7 +6217,7 @@
           <a:p>
             <a:fld id="{8452596F-08A7-4B70-989A-F2B1CF31E66B}" type="datetime1">
               <a:rPr lang="en-US" smtClean="0"/>
-              <a:t>4/26/2020</a:t>
+              <a:t>4/27/2020</a:t>
             </a:fld>
             <a:endParaRPr lang="en-US" dirty="0"/>
           </a:p>
@@ -6387,7 +6387,7 @@
           <a:p>
             <a:fld id="{73C55A3C-5767-4844-A0A3-83778C2E5409}" type="datetime1">
               <a:rPr lang="en-US" smtClean="0"/>
-              <a:t>4/26/2020</a:t>
+              <a:t>4/27/2020</a:t>
             </a:fld>
             <a:endParaRPr lang="en-US" dirty="0"/>
           </a:p>
@@ -6631,7 +6631,7 @@
           <a:p>
             <a:fld id="{CAE507A8-A5CF-4D38-AB86-7EDDA87A85D4}" type="datetime1">
               <a:rPr lang="en-US" smtClean="0"/>
-              <a:t>4/26/2020</a:t>
+              <a:t>4/27/2020</a:t>
             </a:fld>
             <a:endParaRPr lang="en-US" dirty="0"/>
           </a:p>
@@ -6873,7 +6873,7 @@
           <a:p>
             <a:fld id="{BDFCD27C-8599-43EF-BA1D-14DDC1946E06}" type="datetime1">
               <a:rPr lang="en-US" smtClean="0"/>
-              <a:t>4/26/2020</a:t>
+              <a:t>4/27/2020</a:t>
             </a:fld>
             <a:endParaRPr lang="en-US" dirty="0"/>
           </a:p>
@@ -7356,7 +7356,7 @@
           <a:p>
             <a:fld id="{49343D99-809A-49C0-96E5-4250D0B498EE}" type="datetime1">
               <a:rPr lang="en-US" smtClean="0"/>
-              <a:t>4/26/2020</a:t>
+              <a:t>4/27/2020</a:t>
             </a:fld>
             <a:endParaRPr lang="en-US" dirty="0"/>
           </a:p>
@@ -7474,7 +7474,7 @@
           <a:p>
             <a:fld id="{A143DE9B-B678-4EFB-BB7D-A4370204A0B0}" type="datetime1">
               <a:rPr lang="en-US" smtClean="0"/>
-              <a:t>4/26/2020</a:t>
+              <a:t>4/27/2020</a:t>
             </a:fld>
             <a:endParaRPr lang="en-US" dirty="0"/>
           </a:p>
@@ -7569,7 +7569,7 @@
           <a:p>
             <a:fld id="{E68812DA-F765-4142-A6A3-A8ED7235E082}" type="datetime1">
               <a:rPr lang="en-US" smtClean="0"/>
-              <a:t>4/26/2020</a:t>
+              <a:t>4/27/2020</a:t>
             </a:fld>
             <a:endParaRPr lang="en-US" dirty="0"/>
           </a:p>
@@ -7824,7 +7824,7 @@
           <a:p>
             <a:fld id="{3E0277FD-7DE6-41D4-930D-AC99F5AFE54E}" type="datetime1">
               <a:rPr lang="en-US" smtClean="0"/>
-              <a:t>4/26/2020</a:t>
+              <a:t>4/27/2020</a:t>
             </a:fld>
             <a:endParaRPr lang="en-US" dirty="0"/>
           </a:p>
@@ -8131,7 +8131,7 @@
           <a:p>
             <a:fld id="{9EA15526-7079-4B7B-987C-1B5FAE11A0FF}" type="datetime1">
               <a:rPr lang="en-US" smtClean="0"/>
-              <a:t>4/26/2020</a:t>
+              <a:t>4/27/2020</a:t>
             </a:fld>
             <a:endParaRPr lang="en-US" dirty="0"/>
           </a:p>
@@ -8366,7 +8366,7 @@
           <a:p>
             <a:fld id="{073ED0CC-082F-4160-86E5-0D6041F12778}" type="datetime1">
               <a:rPr lang="en-US" smtClean="0"/>
-              <a:t>4/26/2020</a:t>
+              <a:t>4/27/2020</a:t>
             </a:fld>
             <a:endParaRPr lang="en-US" dirty="0"/>
           </a:p>
@@ -10079,13 +10079,21 @@
         </p:spPr>
         <p:txBody>
           <a:bodyPr>
-            <a:normAutofit/>
+            <a:normAutofit lnSpcReduction="10000"/>
           </a:bodyPr>
           <a:lstStyle/>
           <a:p>
             <a:r>
               <a:rPr lang="en-US" sz="3600" dirty="0"/>
-              <a:t>Customer: Login page, order summary, payment.</a:t>
+              <a:t>Customer: Login page, order summary, payment, Main page, </a:t>
+            </a:r>
+            <a:r>
+              <a:rPr lang="en-US" sz="3600" dirty="0" err="1"/>
+              <a:t>TakeAway</a:t>
+            </a:r>
+            <a:r>
+              <a:rPr lang="en-US" sz="3600" dirty="0"/>
+              <a:t>, Reservation. </a:t>
             </a:r>
           </a:p>
           <a:p>
@@ -10215,7 +10223,7 @@
                   </a:schemeClr>
                 </a:solidFill>
               </a:rPr>
-              <a:t>Plan of work </a:t>
+              <a:t>Road map</a:t>
             </a:r>
             <a:br>
               <a:rPr lang="en-US" dirty="0"/>
@@ -10254,13 +10262,13 @@
         </p:nvSpPr>
         <p:spPr>
           <a:xfrm>
-            <a:off x="866472" y="3829052"/>
-            <a:ext cx="10459055" cy="2905123"/>
+            <a:off x="866472" y="4202884"/>
+            <a:ext cx="10459055" cy="2531291"/>
           </a:xfrm>
         </p:spPr>
         <p:txBody>
           <a:bodyPr>
-            <a:normAutofit fontScale="92500" lnSpcReduction="20000"/>
+            <a:normAutofit fontScale="77500" lnSpcReduction="20000"/>
           </a:bodyPr>
           <a:lstStyle/>
           <a:p>
@@ -10269,7 +10277,7 @@
             </a:pPr>
             <a:r>
               <a:rPr lang="en-US" sz="3200" dirty="0"/>
-              <a:t>We plan to implement the software as discussed in the report:</a:t>
+              <a:t>Future work will include implementing the software as discussed in the report:</a:t>
             </a:r>
           </a:p>
           <a:p>
